--- a/src/d191101/joeunae/JSP의 요청 처리 과정_조은애.pptx
+++ b/src/d191101/joeunae/JSP의 요청 처리 과정_조은애.pptx
@@ -271,7 +271,7 @@
   </p:defaultTextStyle>
   <p:extLst>
     <p:ext uri="{EFAFB233-063F-42B5-8137-9DF3F51BA10A}">
-      <p15:sldGuideLst xmlns="" xmlns:mc="http://schemas.openxmlformats.org/markup-compatibility/2006" xmlns:mv="urn:schemas-microsoft-com:mac:vml" xmlns:c="http://schemas.openxmlformats.org/drawingml/2006/chart" xmlns:dgm="http://schemas.openxmlformats.org/drawingml/2006/diagram" xmlns:o="urn:schemas-microsoft-com:office:office" xmlns:v="urn:schemas-microsoft-com:vml" xmlns:pvml="urn:schemas-microsoft-com:office:powerpoint" xmlns:com="http://schemas.openxmlformats.org/drawingml/2006/compatibility" xmlns:p14="http://schemas.microsoft.com/office/powerpoint/2010/main" xmlns:p15="http://schemas.microsoft.com/office/powerpoint/2012/main">
+      <p15:sldGuideLst xmlns:p15="http://schemas.microsoft.com/office/powerpoint/2012/main" xmlns:p14="http://schemas.microsoft.com/office/powerpoint/2010/main" xmlns:com="http://schemas.openxmlformats.org/drawingml/2006/compatibility" xmlns:pvml="urn:schemas-microsoft-com:office:powerpoint" xmlns:v="urn:schemas-microsoft-com:vml" xmlns:o="urn:schemas-microsoft-com:office:office" xmlns:dgm="http://schemas.openxmlformats.org/drawingml/2006/diagram" xmlns:c="http://schemas.openxmlformats.org/drawingml/2006/chart" xmlns:mv="urn:schemas-microsoft-com:mac:vml" xmlns:mc="http://schemas.openxmlformats.org/markup-compatibility/2006" xmlns="">
         <p15:guide id="1" orient="horz" pos="1620">
           <p15:clr>
             <a:srgbClr val="000000"/>
@@ -285,7 +285,7 @@
       </p15:sldGuideLst>
     </p:ext>
     <p:ext uri="http://customooxmlschemas.google.com/">
-      <go:slidesCustomData xmlns="" xmlns:mc="http://schemas.openxmlformats.org/markup-compatibility/2006" xmlns:mv="urn:schemas-microsoft-com:mac:vml" xmlns:c="http://schemas.openxmlformats.org/drawingml/2006/chart" xmlns:dgm="http://schemas.openxmlformats.org/drawingml/2006/diagram" xmlns:o="urn:schemas-microsoft-com:office:office" xmlns:v="urn:schemas-microsoft-com:vml" xmlns:pvml="urn:schemas-microsoft-com:office:powerpoint" xmlns:com="http://schemas.openxmlformats.org/drawingml/2006/compatibility" xmlns:p14="http://schemas.microsoft.com/office/powerpoint/2010/main" xmlns:p15="http://schemas.microsoft.com/office/powerpoint/2012/main" xmlns:go="http://customooxmlschemas.google.com/" r:id="rId18" roundtripDataSignature="AMtx7mgdDVC0tu9kOJQoZVVr20don3cFQg=="/>
+      <go:slidesCustomData xmlns:go="http://customooxmlschemas.google.com/" xmlns:p15="http://schemas.microsoft.com/office/powerpoint/2012/main" xmlns:p14="http://schemas.microsoft.com/office/powerpoint/2010/main" xmlns:com="http://schemas.openxmlformats.org/drawingml/2006/compatibility" xmlns:pvml="urn:schemas-microsoft-com:office:powerpoint" xmlns:v="urn:schemas-microsoft-com:vml" xmlns:o="urn:schemas-microsoft-com:office:office" xmlns:dgm="http://schemas.openxmlformats.org/drawingml/2006/diagram" xmlns:c="http://schemas.openxmlformats.org/drawingml/2006/chart" xmlns:mv="urn:schemas-microsoft-com:mac:vml" xmlns:mc="http://schemas.openxmlformats.org/markup-compatibility/2006" xmlns="" r:id="rId18" roundtripDataSignature="AMtx7mgdDVC0tu9kOJQoZVVr20don3cFQg=="/>
     </p:ext>
   </p:extLst>
 </p:presentation>
@@ -1057,25 +1057,12 @@
             </a:r>
             <a:r>
               <a:rPr lang="ko-KR" altLang="en-US" dirty="0" smtClean="0"/>
-              <a:t> 짜서 서버에 </a:t>
-            </a:r>
-            <a:r>
-              <a:rPr lang="ko-KR" altLang="en-US" dirty="0" smtClean="0"/>
-              <a:t>놓는다고 알아서 </a:t>
-            </a:r>
-            <a:r>
-              <a:rPr lang="ko-KR" altLang="en-US" dirty="0" smtClean="0"/>
-              <a:t>실행</a:t>
+              <a:t> 짜서 서버에 놓는다고 알아서 실행</a:t>
             </a:r>
             <a:r>
               <a:rPr lang="en-US" altLang="ko-KR" dirty="0" smtClean="0"/>
-              <a:t>? </a:t>
-            </a:r>
-            <a:r>
-              <a:rPr lang="en-US" altLang="ko-KR" dirty="0" smtClean="0"/>
-              <a:t>No </a:t>
-            </a:r>
-            <a:endParaRPr lang="en-US" altLang="ko-KR" dirty="0" smtClean="0"/>
+              <a:t>? No </a:t>
+            </a:r>
           </a:p>
           <a:p>
             <a:endParaRPr lang="en-US" altLang="ko-KR" dirty="0" smtClean="0"/>
@@ -2011,16 +1998,16 @@
               <a:t>, </a:t>
             </a:r>
             <a:r>
+              <a:rPr lang="ko-KR" altLang="en-US" baseline="0" smtClean="0"/>
+              <a:t>핵심 </a:t>
+            </a:r>
+            <a:r>
+              <a:rPr lang="ko-KR" altLang="en-US" baseline="0" smtClean="0"/>
+              <a:t>메모리 등의 </a:t>
+            </a:r>
+            <a:r>
               <a:rPr lang="ko-KR" altLang="en-US" baseline="0" dirty="0" smtClean="0"/>
-              <a:t>핵심 </a:t>
-            </a:r>
-            <a:r>
-              <a:rPr lang="ko-KR" altLang="en-US" baseline="0" dirty="0" err="1" smtClean="0"/>
-              <a:t>메모리등의</a:t>
-            </a:r>
-            <a:r>
-              <a:rPr lang="ko-KR" altLang="en-US" baseline="0" dirty="0" smtClean="0"/>
-              <a:t> 용량</a:t>
+              <a:t>용량</a:t>
             </a:r>
             <a:r>
               <a:rPr lang="en-US" altLang="ko-KR" baseline="0" dirty="0" smtClean="0"/>
@@ -4299,777 +4286,6 @@
       <p:sp>
         <p:nvSpPr>
           <p:cNvPr id="55" name="Google Shape;55;p13"/>
-          <p:cNvSpPr txBox="1">
-            <a:spLocks noGrp="1"/>
-          </p:cNvSpPr>
-          <p:nvPr>
-            <p:ph type="sldNum" idx="12"/>
-          </p:nvPr>
-        </p:nvSpPr>
-        <p:spPr>
-          <a:xfrm>
-            <a:off x="8472458" y="4663217"/>
-            <a:ext cx="548700" cy="393600"/>
-          </a:xfrm>
-          <a:prstGeom prst="rect">
-            <a:avLst/>
-          </a:prstGeom>
-          <a:noFill/>
-          <a:ln>
-            <a:noFill/>
-          </a:ln>
-        </p:spPr>
-        <p:txBody>
-          <a:bodyPr spcFirstLastPara="1" wrap="square" lIns="91425" tIns="91425" rIns="91425" bIns="91425" anchor="ctr" anchorCtr="0">
-            <a:noAutofit/>
-          </a:bodyPr>
-          <a:lstStyle>
-            <a:lvl1pPr marL="0" marR="0" lvl="0" indent="0" algn="r">
-              <a:lnSpc>
-                <a:spcPct val="100000"/>
-              </a:lnSpc>
-              <a:spcBef>
-                <a:spcPts val="0"/>
-              </a:spcBef>
-              <a:spcAft>
-                <a:spcPts val="0"/>
-              </a:spcAft>
-              <a:buClr>
-                <a:srgbClr val="000000"/>
-              </a:buClr>
-              <a:buSzPts val="1000"/>
-              <a:buFont typeface="Arial"/>
-              <a:buNone/>
-              <a:defRPr sz="1000" b="0" i="0" u="none" strike="noStrike" cap="none">
-                <a:solidFill>
-                  <a:schemeClr val="lt1"/>
-                </a:solidFill>
-                <a:latin typeface="Roboto"/>
-                <a:ea typeface="Roboto"/>
-                <a:cs typeface="Roboto"/>
-                <a:sym typeface="Roboto"/>
-              </a:defRPr>
-            </a:lvl1pPr>
-            <a:lvl2pPr marL="0" marR="0" lvl="1" indent="0" algn="r">
-              <a:lnSpc>
-                <a:spcPct val="100000"/>
-              </a:lnSpc>
-              <a:spcBef>
-                <a:spcPts val="0"/>
-              </a:spcBef>
-              <a:spcAft>
-                <a:spcPts val="0"/>
-              </a:spcAft>
-              <a:buClr>
-                <a:srgbClr val="000000"/>
-              </a:buClr>
-              <a:buSzPts val="1000"/>
-              <a:buFont typeface="Arial"/>
-              <a:buNone/>
-              <a:defRPr sz="1000" b="0" i="0" u="none" strike="noStrike" cap="none">
-                <a:solidFill>
-                  <a:schemeClr val="lt1"/>
-                </a:solidFill>
-                <a:latin typeface="Roboto"/>
-                <a:ea typeface="Roboto"/>
-                <a:cs typeface="Roboto"/>
-                <a:sym typeface="Roboto"/>
-              </a:defRPr>
-            </a:lvl2pPr>
-            <a:lvl3pPr marL="0" marR="0" lvl="2" indent="0" algn="r">
-              <a:lnSpc>
-                <a:spcPct val="100000"/>
-              </a:lnSpc>
-              <a:spcBef>
-                <a:spcPts val="0"/>
-              </a:spcBef>
-              <a:spcAft>
-                <a:spcPts val="0"/>
-              </a:spcAft>
-              <a:buClr>
-                <a:srgbClr val="000000"/>
-              </a:buClr>
-              <a:buSzPts val="1000"/>
-              <a:buFont typeface="Arial"/>
-              <a:buNone/>
-              <a:defRPr sz="1000" b="0" i="0" u="none" strike="noStrike" cap="none">
-                <a:solidFill>
-                  <a:schemeClr val="lt1"/>
-                </a:solidFill>
-                <a:latin typeface="Roboto"/>
-                <a:ea typeface="Roboto"/>
-                <a:cs typeface="Roboto"/>
-                <a:sym typeface="Roboto"/>
-              </a:defRPr>
-            </a:lvl3pPr>
-            <a:lvl4pPr marL="0" marR="0" lvl="3" indent="0" algn="r">
-              <a:lnSpc>
-                <a:spcPct val="100000"/>
-              </a:lnSpc>
-              <a:spcBef>
-                <a:spcPts val="0"/>
-              </a:spcBef>
-              <a:spcAft>
-                <a:spcPts val="0"/>
-              </a:spcAft>
-              <a:buClr>
-                <a:srgbClr val="000000"/>
-              </a:buClr>
-              <a:buSzPts val="1000"/>
-              <a:buFont typeface="Arial"/>
-              <a:buNone/>
-              <a:defRPr sz="1000" b="0" i="0" u="none" strike="noStrike" cap="none">
-                <a:solidFill>
-                  <a:schemeClr val="lt1"/>
-                </a:solidFill>
-                <a:latin typeface="Roboto"/>
-                <a:ea typeface="Roboto"/>
-                <a:cs typeface="Roboto"/>
-                <a:sym typeface="Roboto"/>
-              </a:defRPr>
-            </a:lvl4pPr>
-            <a:lvl5pPr marL="0" marR="0" lvl="4" indent="0" algn="r">
-              <a:lnSpc>
-                <a:spcPct val="100000"/>
-              </a:lnSpc>
-              <a:spcBef>
-                <a:spcPts val="0"/>
-              </a:spcBef>
-              <a:spcAft>
-                <a:spcPts val="0"/>
-              </a:spcAft>
-              <a:buClr>
-                <a:srgbClr val="000000"/>
-              </a:buClr>
-              <a:buSzPts val="1000"/>
-              <a:buFont typeface="Arial"/>
-              <a:buNone/>
-              <a:defRPr sz="1000" b="0" i="0" u="none" strike="noStrike" cap="none">
-                <a:solidFill>
-                  <a:schemeClr val="lt1"/>
-                </a:solidFill>
-                <a:latin typeface="Roboto"/>
-                <a:ea typeface="Roboto"/>
-                <a:cs typeface="Roboto"/>
-                <a:sym typeface="Roboto"/>
-              </a:defRPr>
-            </a:lvl5pPr>
-            <a:lvl6pPr marL="0" marR="0" lvl="5" indent="0" algn="r">
-              <a:lnSpc>
-                <a:spcPct val="100000"/>
-              </a:lnSpc>
-              <a:spcBef>
-                <a:spcPts val="0"/>
-              </a:spcBef>
-              <a:spcAft>
-                <a:spcPts val="0"/>
-              </a:spcAft>
-              <a:buClr>
-                <a:srgbClr val="000000"/>
-              </a:buClr>
-              <a:buSzPts val="1000"/>
-              <a:buFont typeface="Arial"/>
-              <a:buNone/>
-              <a:defRPr sz="1000" b="0" i="0" u="none" strike="noStrike" cap="none">
-                <a:solidFill>
-                  <a:schemeClr val="lt1"/>
-                </a:solidFill>
-                <a:latin typeface="Roboto"/>
-                <a:ea typeface="Roboto"/>
-                <a:cs typeface="Roboto"/>
-                <a:sym typeface="Roboto"/>
-              </a:defRPr>
-            </a:lvl6pPr>
-            <a:lvl7pPr marL="0" marR="0" lvl="6" indent="0" algn="r">
-              <a:lnSpc>
-                <a:spcPct val="100000"/>
-              </a:lnSpc>
-              <a:spcBef>
-                <a:spcPts val="0"/>
-              </a:spcBef>
-              <a:spcAft>
-                <a:spcPts val="0"/>
-              </a:spcAft>
-              <a:buClr>
-                <a:srgbClr val="000000"/>
-              </a:buClr>
-              <a:buSzPts val="1000"/>
-              <a:buFont typeface="Arial"/>
-              <a:buNone/>
-              <a:defRPr sz="1000" b="0" i="0" u="none" strike="noStrike" cap="none">
-                <a:solidFill>
-                  <a:schemeClr val="lt1"/>
-                </a:solidFill>
-                <a:latin typeface="Roboto"/>
-                <a:ea typeface="Roboto"/>
-                <a:cs typeface="Roboto"/>
-                <a:sym typeface="Roboto"/>
-              </a:defRPr>
-            </a:lvl7pPr>
-            <a:lvl8pPr marL="0" marR="0" lvl="7" indent="0" algn="r">
-              <a:lnSpc>
-                <a:spcPct val="100000"/>
-              </a:lnSpc>
-              <a:spcBef>
-                <a:spcPts val="0"/>
-              </a:spcBef>
-              <a:spcAft>
-                <a:spcPts val="0"/>
-              </a:spcAft>
-              <a:buClr>
-                <a:srgbClr val="000000"/>
-              </a:buClr>
-              <a:buSzPts val="1000"/>
-              <a:buFont typeface="Arial"/>
-              <a:buNone/>
-              <a:defRPr sz="1000" b="0" i="0" u="none" strike="noStrike" cap="none">
-                <a:solidFill>
-                  <a:schemeClr val="lt1"/>
-                </a:solidFill>
-                <a:latin typeface="Roboto"/>
-                <a:ea typeface="Roboto"/>
-                <a:cs typeface="Roboto"/>
-                <a:sym typeface="Roboto"/>
-              </a:defRPr>
-            </a:lvl8pPr>
-            <a:lvl9pPr marL="0" marR="0" lvl="8" indent="0" algn="r">
-              <a:lnSpc>
-                <a:spcPct val="100000"/>
-              </a:lnSpc>
-              <a:spcBef>
-                <a:spcPts val="0"/>
-              </a:spcBef>
-              <a:spcAft>
-                <a:spcPts val="0"/>
-              </a:spcAft>
-              <a:buClr>
-                <a:srgbClr val="000000"/>
-              </a:buClr>
-              <a:buSzPts val="1000"/>
-              <a:buFont typeface="Arial"/>
-              <a:buNone/>
-              <a:defRPr sz="1000" b="0" i="0" u="none" strike="noStrike" cap="none">
-                <a:solidFill>
-                  <a:schemeClr val="lt1"/>
-                </a:solidFill>
-                <a:latin typeface="Roboto"/>
-                <a:ea typeface="Roboto"/>
-                <a:cs typeface="Roboto"/>
-                <a:sym typeface="Roboto"/>
-              </a:defRPr>
-            </a:lvl9pPr>
-          </a:lstStyle>
-          <a:p>
-            <a:pPr marL="0" lvl="0" indent="0" algn="r" rtl="0">
-              <a:spcBef>
-                <a:spcPts val="0"/>
-              </a:spcBef>
-              <a:spcAft>
-                <a:spcPts val="0"/>
-              </a:spcAft>
-              <a:buNone/>
-            </a:pPr>
-            <a:fld id="{00000000-1234-1234-1234-123412341234}" type="slidenum">
-              <a:rPr lang="ko-KR"/>
-              <a:pPr marL="0" lvl="0" indent="0" algn="r" rtl="0">
-                <a:spcBef>
-                  <a:spcPts val="0"/>
-                </a:spcBef>
-                <a:spcAft>
-                  <a:spcPts val="0"/>
-                </a:spcAft>
-                <a:buNone/>
-              </a:pPr>
-              <a:t>‹#›</a:t>
-            </a:fld>
-            <a:endParaRPr/>
-          </a:p>
-        </p:txBody>
-      </p:sp>
-    </p:spTree>
-  </p:cSld>
-  <p:clrMapOvr>
-    <a:masterClrMapping/>
-  </p:clrMapOvr>
-</p:sldLayout>
-</file>
-
-<file path=ppt/slideLayouts/slideLayout11.xml><?xml version="1.0" encoding="utf-8"?>
-<p:sldLayout xmlns:a="http://schemas.openxmlformats.org/drawingml/2006/main" xmlns:r="http://schemas.openxmlformats.org/officeDocument/2006/relationships" xmlns:p="http://schemas.openxmlformats.org/presentationml/2006/main" matchingName="BIG_NUMBER">
-  <p:cSld name="BIG_NUMBER">
-    <p:bg>
-      <p:bgPr>
-        <a:solidFill>
-          <a:schemeClr val="dk1"/>
-        </a:solidFill>
-        <a:effectLst/>
-      </p:bgPr>
-    </p:bg>
-    <p:spTree>
-      <p:nvGrpSpPr>
-        <p:cNvPr id="1" name="Shape 56"/>
-        <p:cNvGrpSpPr/>
-        <p:nvPr/>
-      </p:nvGrpSpPr>
-      <p:grpSpPr>
-        <a:xfrm>
-          <a:off x="0" y="0"/>
-          <a:ext cx="0" cy="0"/>
-          <a:chOff x="0" y="0"/>
-          <a:chExt cx="0" cy="0"/>
-        </a:xfrm>
-      </p:grpSpPr>
-      <p:sp>
-        <p:nvSpPr>
-          <p:cNvPr id="57" name="Google Shape;57;p14"/>
-          <p:cNvSpPr txBox="1">
-            <a:spLocks noGrp="1"/>
-          </p:cNvSpPr>
-          <p:nvPr>
-            <p:ph type="title" hasCustomPrompt="1"/>
-          </p:nvPr>
-        </p:nvSpPr>
-        <p:spPr>
-          <a:xfrm>
-            <a:off x="311750" y="831175"/>
-            <a:ext cx="5334900" cy="1244700"/>
-          </a:xfrm>
-          <a:prstGeom prst="rect">
-            <a:avLst/>
-          </a:prstGeom>
-          <a:noFill/>
-          <a:ln>
-            <a:noFill/>
-          </a:ln>
-        </p:spPr>
-        <p:txBody>
-          <a:bodyPr spcFirstLastPara="1" wrap="square" lIns="91425" tIns="91425" rIns="91425" bIns="91425" anchor="b" anchorCtr="0">
-            <a:noAutofit/>
-          </a:bodyPr>
-          <a:lstStyle>
-            <a:lvl1pPr lvl="0" algn="l">
-              <a:lnSpc>
-                <a:spcPct val="100000"/>
-              </a:lnSpc>
-              <a:spcBef>
-                <a:spcPts val="0"/>
-              </a:spcBef>
-              <a:spcAft>
-                <a:spcPts val="0"/>
-              </a:spcAft>
-              <a:buClr>
-                <a:schemeClr val="lt1"/>
-              </a:buClr>
-              <a:buSzPts val="10000"/>
-              <a:buNone/>
-              <a:defRPr sz="10000">
-                <a:solidFill>
-                  <a:schemeClr val="lt1"/>
-                </a:solidFill>
-              </a:defRPr>
-            </a:lvl1pPr>
-            <a:lvl2pPr lvl="1" algn="l">
-              <a:lnSpc>
-                <a:spcPct val="100000"/>
-              </a:lnSpc>
-              <a:spcBef>
-                <a:spcPts val="0"/>
-              </a:spcBef>
-              <a:spcAft>
-                <a:spcPts val="0"/>
-              </a:spcAft>
-              <a:buClr>
-                <a:schemeClr val="lt1"/>
-              </a:buClr>
-              <a:buSzPts val="10000"/>
-              <a:buNone/>
-              <a:defRPr sz="10000">
-                <a:solidFill>
-                  <a:schemeClr val="lt1"/>
-                </a:solidFill>
-              </a:defRPr>
-            </a:lvl2pPr>
-            <a:lvl3pPr lvl="2" algn="l">
-              <a:lnSpc>
-                <a:spcPct val="100000"/>
-              </a:lnSpc>
-              <a:spcBef>
-                <a:spcPts val="0"/>
-              </a:spcBef>
-              <a:spcAft>
-                <a:spcPts val="0"/>
-              </a:spcAft>
-              <a:buClr>
-                <a:schemeClr val="lt1"/>
-              </a:buClr>
-              <a:buSzPts val="10000"/>
-              <a:buNone/>
-              <a:defRPr sz="10000">
-                <a:solidFill>
-                  <a:schemeClr val="lt1"/>
-                </a:solidFill>
-              </a:defRPr>
-            </a:lvl3pPr>
-            <a:lvl4pPr lvl="3" algn="l">
-              <a:lnSpc>
-                <a:spcPct val="100000"/>
-              </a:lnSpc>
-              <a:spcBef>
-                <a:spcPts val="0"/>
-              </a:spcBef>
-              <a:spcAft>
-                <a:spcPts val="0"/>
-              </a:spcAft>
-              <a:buClr>
-                <a:schemeClr val="lt1"/>
-              </a:buClr>
-              <a:buSzPts val="10000"/>
-              <a:buNone/>
-              <a:defRPr sz="10000">
-                <a:solidFill>
-                  <a:schemeClr val="lt1"/>
-                </a:solidFill>
-              </a:defRPr>
-            </a:lvl4pPr>
-            <a:lvl5pPr lvl="4" algn="l">
-              <a:lnSpc>
-                <a:spcPct val="100000"/>
-              </a:lnSpc>
-              <a:spcBef>
-                <a:spcPts val="0"/>
-              </a:spcBef>
-              <a:spcAft>
-                <a:spcPts val="0"/>
-              </a:spcAft>
-              <a:buClr>
-                <a:schemeClr val="lt1"/>
-              </a:buClr>
-              <a:buSzPts val="10000"/>
-              <a:buNone/>
-              <a:defRPr sz="10000">
-                <a:solidFill>
-                  <a:schemeClr val="lt1"/>
-                </a:solidFill>
-              </a:defRPr>
-            </a:lvl5pPr>
-            <a:lvl6pPr lvl="5" algn="l">
-              <a:lnSpc>
-                <a:spcPct val="100000"/>
-              </a:lnSpc>
-              <a:spcBef>
-                <a:spcPts val="0"/>
-              </a:spcBef>
-              <a:spcAft>
-                <a:spcPts val="0"/>
-              </a:spcAft>
-              <a:buClr>
-                <a:schemeClr val="lt1"/>
-              </a:buClr>
-              <a:buSzPts val="10000"/>
-              <a:buNone/>
-              <a:defRPr sz="10000">
-                <a:solidFill>
-                  <a:schemeClr val="lt1"/>
-                </a:solidFill>
-              </a:defRPr>
-            </a:lvl6pPr>
-            <a:lvl7pPr lvl="6" algn="l">
-              <a:lnSpc>
-                <a:spcPct val="100000"/>
-              </a:lnSpc>
-              <a:spcBef>
-                <a:spcPts val="0"/>
-              </a:spcBef>
-              <a:spcAft>
-                <a:spcPts val="0"/>
-              </a:spcAft>
-              <a:buClr>
-                <a:schemeClr val="lt1"/>
-              </a:buClr>
-              <a:buSzPts val="10000"/>
-              <a:buNone/>
-              <a:defRPr sz="10000">
-                <a:solidFill>
-                  <a:schemeClr val="lt1"/>
-                </a:solidFill>
-              </a:defRPr>
-            </a:lvl7pPr>
-            <a:lvl8pPr lvl="7" algn="l">
-              <a:lnSpc>
-                <a:spcPct val="100000"/>
-              </a:lnSpc>
-              <a:spcBef>
-                <a:spcPts val="0"/>
-              </a:spcBef>
-              <a:spcAft>
-                <a:spcPts val="0"/>
-              </a:spcAft>
-              <a:buClr>
-                <a:schemeClr val="lt1"/>
-              </a:buClr>
-              <a:buSzPts val="10000"/>
-              <a:buNone/>
-              <a:defRPr sz="10000">
-                <a:solidFill>
-                  <a:schemeClr val="lt1"/>
-                </a:solidFill>
-              </a:defRPr>
-            </a:lvl8pPr>
-            <a:lvl9pPr lvl="8" algn="l">
-              <a:lnSpc>
-                <a:spcPct val="100000"/>
-              </a:lnSpc>
-              <a:spcBef>
-                <a:spcPts val="0"/>
-              </a:spcBef>
-              <a:spcAft>
-                <a:spcPts val="0"/>
-              </a:spcAft>
-              <a:buClr>
-                <a:schemeClr val="lt1"/>
-              </a:buClr>
-              <a:buSzPts val="10000"/>
-              <a:buNone/>
-              <a:defRPr sz="10000">
-                <a:solidFill>
-                  <a:schemeClr val="lt1"/>
-                </a:solidFill>
-              </a:defRPr>
-            </a:lvl9pPr>
-          </a:lstStyle>
-          <a:p>
-            <a:r>
-              <a:t>xx%</a:t>
-            </a:r>
-          </a:p>
-        </p:txBody>
-      </p:sp>
-      <p:sp>
-        <p:nvSpPr>
-          <p:cNvPr id="58" name="Google Shape;58;p14"/>
-          <p:cNvSpPr txBox="1">
-            <a:spLocks noGrp="1"/>
-          </p:cNvSpPr>
-          <p:nvPr>
-            <p:ph type="body" idx="1"/>
-          </p:nvPr>
-        </p:nvSpPr>
-        <p:spPr>
-          <a:xfrm>
-            <a:off x="311700" y="2121425"/>
-            <a:ext cx="5334900" cy="942600"/>
-          </a:xfrm>
-          <a:prstGeom prst="rect">
-            <a:avLst/>
-          </a:prstGeom>
-          <a:noFill/>
-          <a:ln>
-            <a:noFill/>
-          </a:ln>
-        </p:spPr>
-        <p:txBody>
-          <a:bodyPr spcFirstLastPara="1" wrap="square" lIns="91425" tIns="91425" rIns="91425" bIns="91425" anchor="t" anchorCtr="0">
-            <a:noAutofit/>
-          </a:bodyPr>
-          <a:lstStyle>
-            <a:lvl1pPr marL="457200" lvl="0" indent="-311150" algn="l">
-              <a:lnSpc>
-                <a:spcPct val="115000"/>
-              </a:lnSpc>
-              <a:spcBef>
-                <a:spcPts val="0"/>
-              </a:spcBef>
-              <a:spcAft>
-                <a:spcPts val="0"/>
-              </a:spcAft>
-              <a:buClr>
-                <a:schemeClr val="accent2"/>
-              </a:buClr>
-              <a:buSzPts val="1300"/>
-              <a:buChar char="●"/>
-              <a:defRPr>
-                <a:solidFill>
-                  <a:schemeClr val="accent2"/>
-                </a:solidFill>
-              </a:defRPr>
-            </a:lvl1pPr>
-            <a:lvl2pPr marL="914400" lvl="1" indent="-298450" algn="l">
-              <a:lnSpc>
-                <a:spcPct val="115000"/>
-              </a:lnSpc>
-              <a:spcBef>
-                <a:spcPts val="1600"/>
-              </a:spcBef>
-              <a:spcAft>
-                <a:spcPts val="0"/>
-              </a:spcAft>
-              <a:buClr>
-                <a:schemeClr val="accent2"/>
-              </a:buClr>
-              <a:buSzPts val="1100"/>
-              <a:buChar char="○"/>
-              <a:defRPr>
-                <a:solidFill>
-                  <a:schemeClr val="accent2"/>
-                </a:solidFill>
-              </a:defRPr>
-            </a:lvl2pPr>
-            <a:lvl3pPr marL="1371600" lvl="2" indent="-298450" algn="l">
-              <a:lnSpc>
-                <a:spcPct val="115000"/>
-              </a:lnSpc>
-              <a:spcBef>
-                <a:spcPts val="1600"/>
-              </a:spcBef>
-              <a:spcAft>
-                <a:spcPts val="0"/>
-              </a:spcAft>
-              <a:buClr>
-                <a:schemeClr val="accent2"/>
-              </a:buClr>
-              <a:buSzPts val="1100"/>
-              <a:buChar char="■"/>
-              <a:defRPr>
-                <a:solidFill>
-                  <a:schemeClr val="accent2"/>
-                </a:solidFill>
-              </a:defRPr>
-            </a:lvl3pPr>
-            <a:lvl4pPr marL="1828800" lvl="3" indent="-298450" algn="l">
-              <a:lnSpc>
-                <a:spcPct val="115000"/>
-              </a:lnSpc>
-              <a:spcBef>
-                <a:spcPts val="1600"/>
-              </a:spcBef>
-              <a:spcAft>
-                <a:spcPts val="0"/>
-              </a:spcAft>
-              <a:buClr>
-                <a:schemeClr val="accent2"/>
-              </a:buClr>
-              <a:buSzPts val="1100"/>
-              <a:buChar char="●"/>
-              <a:defRPr>
-                <a:solidFill>
-                  <a:schemeClr val="accent2"/>
-                </a:solidFill>
-              </a:defRPr>
-            </a:lvl4pPr>
-            <a:lvl5pPr marL="2286000" lvl="4" indent="-298450" algn="l">
-              <a:lnSpc>
-                <a:spcPct val="115000"/>
-              </a:lnSpc>
-              <a:spcBef>
-                <a:spcPts val="1600"/>
-              </a:spcBef>
-              <a:spcAft>
-                <a:spcPts val="0"/>
-              </a:spcAft>
-              <a:buClr>
-                <a:schemeClr val="accent2"/>
-              </a:buClr>
-              <a:buSzPts val="1100"/>
-              <a:buChar char="○"/>
-              <a:defRPr>
-                <a:solidFill>
-                  <a:schemeClr val="accent2"/>
-                </a:solidFill>
-              </a:defRPr>
-            </a:lvl5pPr>
-            <a:lvl6pPr marL="2743200" lvl="5" indent="-298450" algn="l">
-              <a:lnSpc>
-                <a:spcPct val="115000"/>
-              </a:lnSpc>
-              <a:spcBef>
-                <a:spcPts val="1600"/>
-              </a:spcBef>
-              <a:spcAft>
-                <a:spcPts val="0"/>
-              </a:spcAft>
-              <a:buClr>
-                <a:schemeClr val="accent2"/>
-              </a:buClr>
-              <a:buSzPts val="1100"/>
-              <a:buChar char="■"/>
-              <a:defRPr>
-                <a:solidFill>
-                  <a:schemeClr val="accent2"/>
-                </a:solidFill>
-              </a:defRPr>
-            </a:lvl6pPr>
-            <a:lvl7pPr marL="3200400" lvl="6" indent="-298450" algn="l">
-              <a:lnSpc>
-                <a:spcPct val="115000"/>
-              </a:lnSpc>
-              <a:spcBef>
-                <a:spcPts val="1600"/>
-              </a:spcBef>
-              <a:spcAft>
-                <a:spcPts val="0"/>
-              </a:spcAft>
-              <a:buClr>
-                <a:schemeClr val="accent2"/>
-              </a:buClr>
-              <a:buSzPts val="1100"/>
-              <a:buChar char="●"/>
-              <a:defRPr>
-                <a:solidFill>
-                  <a:schemeClr val="accent2"/>
-                </a:solidFill>
-              </a:defRPr>
-            </a:lvl7pPr>
-            <a:lvl8pPr marL="3657600" lvl="7" indent="-298450" algn="l">
-              <a:lnSpc>
-                <a:spcPct val="115000"/>
-              </a:lnSpc>
-              <a:spcBef>
-                <a:spcPts val="1600"/>
-              </a:spcBef>
-              <a:spcAft>
-                <a:spcPts val="0"/>
-              </a:spcAft>
-              <a:buClr>
-                <a:schemeClr val="accent2"/>
-              </a:buClr>
-              <a:buSzPts val="1100"/>
-              <a:buChar char="○"/>
-              <a:defRPr>
-                <a:solidFill>
-                  <a:schemeClr val="accent2"/>
-                </a:solidFill>
-              </a:defRPr>
-            </a:lvl8pPr>
-            <a:lvl9pPr marL="4114800" lvl="8" indent="-298450" algn="l">
-              <a:lnSpc>
-                <a:spcPct val="115000"/>
-              </a:lnSpc>
-              <a:spcBef>
-                <a:spcPts val="1600"/>
-              </a:spcBef>
-              <a:spcAft>
-                <a:spcPts val="1600"/>
-              </a:spcAft>
-              <a:buClr>
-                <a:schemeClr val="accent2"/>
-              </a:buClr>
-              <a:buSzPts val="1100"/>
-              <a:buChar char="■"/>
-              <a:defRPr>
-                <a:solidFill>
-                  <a:schemeClr val="accent2"/>
-                </a:solidFill>
-              </a:defRPr>
-            </a:lvl9pPr>
-          </a:lstStyle>
-          <a:p>
-            <a:endParaRPr/>
-          </a:p>
-        </p:txBody>
-      </p:sp>
-      <p:sp>
-        <p:nvSpPr>
-          <p:cNvPr id="59" name="Google Shape;59;p14"/>
           <p:cNvSpPr txBox="1">
             <a:spLocks noGrp="1"/>
           </p:cNvSpPr>
@@ -11739,7 +10955,6 @@
     <p:sldLayoutId id="2147483656" r:id="rId8"/>
     <p:sldLayoutId id="2147483657" r:id="rId9"/>
     <p:sldLayoutId id="2147483658" r:id="rId10"/>
-    <p:sldLayoutId id="2147483659" r:id="rId11"/>
   </p:sldLayoutIdLst>
   <p:hf sldNum="0" hdr="0" ftr="0" dt="0"/>
   <p:txStyles>
@@ -12850,21 +12065,7 @@
                 <a:latin typeface="+mj-ea"/>
                 <a:ea typeface="+mj-ea"/>
               </a:rPr>
-              <a:t>자바 </a:t>
-            </a:r>
-            <a:r>
-              <a:rPr lang="ko-KR" altLang="en-US" sz="1800" dirty="0" smtClean="0">
-                <a:latin typeface="+mj-ea"/>
-                <a:ea typeface="+mj-ea"/>
-              </a:rPr>
-              <a:t>언어로 이루어진 웹 프로그래밍 </a:t>
-            </a:r>
-            <a:r>
-              <a:rPr lang="ko-KR" altLang="en-US" sz="1800" dirty="0" smtClean="0">
-                <a:latin typeface="+mj-ea"/>
-                <a:ea typeface="+mj-ea"/>
-              </a:rPr>
-              <a:t>문서</a:t>
+              <a:t>자바 언어로 이루어진 웹 프로그래밍 문서</a:t>
             </a:r>
             <a:endParaRPr lang="en-US" altLang="ko-KR" sz="1800" dirty="0" smtClean="0">
               <a:latin typeface="+mj-ea"/>
@@ -12891,14 +12092,7 @@
                 <a:latin typeface="+mj-ea"/>
                 <a:ea typeface="+mj-ea"/>
               </a:rPr>
-              <a:t>내용 삽입 </a:t>
-            </a:r>
-            <a:r>
-              <a:rPr lang="ko-KR" altLang="en-US" sz="1800" dirty="0" smtClean="0">
-                <a:latin typeface="+mj-ea"/>
-                <a:ea typeface="+mj-ea"/>
-              </a:rPr>
-              <a:t>가능</a:t>
+              <a:t>내용 삽입 가능</a:t>
             </a:r>
             <a:endParaRPr lang="en-US" altLang="ko-KR" sz="1800" dirty="0" smtClean="0">
               <a:latin typeface="+mj-ea"/>
@@ -13005,14 +12199,7 @@
                 <a:latin typeface="HY궁서" pitchFamily="18" charset="-127"/>
                 <a:ea typeface="HY궁서" pitchFamily="18" charset="-127"/>
               </a:rPr>
-              <a:t> </a:t>
-            </a:r>
-            <a:r>
-              <a:rPr lang="en-US" altLang="ko-KR" sz="1800" dirty="0" smtClean="0">
-                <a:latin typeface="HY궁서" pitchFamily="18" charset="-127"/>
-                <a:ea typeface="HY궁서" pitchFamily="18" charset="-127"/>
-              </a:rPr>
-              <a:t>Container</a:t>
+              <a:t> Container</a:t>
             </a:r>
           </a:p>
           <a:p>
@@ -13037,14 +12224,7 @@
                 <a:latin typeface="+mj-ea"/>
                 <a:ea typeface="+mj-ea"/>
               </a:rPr>
-              <a:t> </a:t>
-            </a:r>
-            <a:r>
-              <a:rPr lang="ko-KR" altLang="en-US" sz="1800" dirty="0" smtClean="0">
-                <a:latin typeface="+mj-ea"/>
-                <a:ea typeface="+mj-ea"/>
-              </a:rPr>
-              <a:t>관리</a:t>
+              <a:t> 관리</a:t>
             </a:r>
             <a:endParaRPr lang="en-US" altLang="ko-KR" sz="1800" dirty="0" smtClean="0">
               <a:latin typeface="+mj-ea"/>
@@ -13422,14 +12602,7 @@
                 <a:latin typeface="+mj-ea"/>
                 <a:ea typeface="+mj-ea"/>
               </a:rPr>
-              <a:t>리소스 </a:t>
-            </a:r>
-            <a:r>
-              <a:rPr lang="ko-KR" altLang="en-US" sz="2400" dirty="0" smtClean="0">
-                <a:latin typeface="+mj-ea"/>
-                <a:ea typeface="+mj-ea"/>
-              </a:rPr>
-              <a:t>낭비</a:t>
+              <a:t>리소스 낭비</a:t>
             </a:r>
             <a:r>
               <a:rPr lang="en-US" altLang="ko-KR" sz="2400" dirty="0" smtClean="0">
@@ -13540,7 +12713,7 @@
         </p:nvSpPr>
         <p:spPr>
           <a:xfrm>
-            <a:off x="387819" y="2331547"/>
+            <a:off x="307921" y="2642266"/>
             <a:ext cx="2209259" cy="646331"/>
           </a:xfrm>
           <a:prstGeom prst="rect">
@@ -15626,16 +14799,7 @@
                 <a:cs typeface="Roboto"/>
                 <a:sym typeface="Roboto"/>
               </a:rPr>
-              <a:t>호</a:t>
-            </a:r>
-            <a:r>
-              <a:rPr lang="ko-KR" altLang="en-US" dirty="0" smtClean="0">
-                <a:latin typeface="Roboto"/>
-                <a:ea typeface="Roboto"/>
-                <a:cs typeface="Roboto"/>
-                <a:sym typeface="Roboto"/>
-              </a:rPr>
-              <a:t>출</a:t>
+              <a:t>호출</a:t>
             </a:r>
             <a:endParaRPr sz="1400" b="0" i="0" u="none" strike="noStrike" cap="none" dirty="0">
               <a:solidFill>
@@ -19991,7 +19155,7 @@
               <a:buNone/>
             </a:pPr>
             <a:r>
-              <a:rPr lang="ko-KR" sz="1400" b="0" i="0" u="none" strike="noStrike" cap="none" dirty="0">
+              <a:rPr lang="ko-KR" sz="1400" b="0" i="0" u="none" strike="noStrike" cap="none" dirty="0" smtClean="0">
                 <a:solidFill>
                   <a:srgbClr val="FF0000"/>
                 </a:solidFill>
@@ -20000,7 +19164,43 @@
                 <a:cs typeface="Arial"/>
                 <a:sym typeface="Arial"/>
               </a:rPr>
-              <a:t>test1_jsp.java 생성</a:t>
+              <a:t>test</a:t>
+            </a:r>
+            <a:r>
+              <a:rPr lang="en-US" altLang="ko-KR" sz="1400" b="0" i="0" u="none" strike="noStrike" cap="none" dirty="0" smtClean="0">
+                <a:solidFill>
+                  <a:srgbClr val="FF0000"/>
+                </a:solidFill>
+                <a:latin typeface="Arial"/>
+                <a:ea typeface="Arial"/>
+                <a:cs typeface="Arial"/>
+                <a:sym typeface="Arial"/>
+              </a:rPr>
+              <a:t>2</a:t>
+            </a:r>
+            <a:r>
+              <a:rPr lang="ko-KR" sz="1400" b="0" i="0" u="none" strike="noStrike" cap="none" dirty="0" smtClean="0">
+                <a:solidFill>
+                  <a:srgbClr val="FF0000"/>
+                </a:solidFill>
+                <a:latin typeface="Arial"/>
+                <a:ea typeface="Arial"/>
+                <a:cs typeface="Arial"/>
+                <a:sym typeface="Arial"/>
+              </a:rPr>
+              <a:t>_jsp.java </a:t>
+            </a:r>
+            <a:r>
+              <a:rPr lang="ko-KR" sz="1400" b="0" i="0" u="none" strike="noStrike" cap="none" dirty="0">
+                <a:solidFill>
+                  <a:srgbClr val="FF0000"/>
+                </a:solidFill>
+                <a:latin typeface="Arial"/>
+                <a:ea typeface="Arial"/>
+                <a:cs typeface="Arial"/>
+                <a:sym typeface="Arial"/>
+              </a:rPr>
+              <a:t>생성</a:t>
             </a:r>
             <a:endParaRPr sz="1400" b="0" i="0" u="none" strike="noStrike" cap="none" dirty="0">
               <a:solidFill>
@@ -20085,7 +19285,7 @@
               <a:buNone/>
             </a:pPr>
             <a:r>
-              <a:rPr lang="ko-KR" sz="1400" b="0" i="0" u="none" strike="noStrike" cap="none" dirty="0">
+              <a:rPr lang="ko-KR" sz="1400" b="0" i="0" u="none" strike="noStrike" cap="none" dirty="0" smtClean="0">
                 <a:solidFill>
                   <a:srgbClr val="FF0000"/>
                 </a:solidFill>
@@ -20094,7 +19294,43 @@
                 <a:cs typeface="Arial"/>
                 <a:sym typeface="Arial"/>
               </a:rPr>
-              <a:t>test1_jsp.class 생성</a:t>
+              <a:t>test</a:t>
+            </a:r>
+            <a:r>
+              <a:rPr lang="en-US" altLang="ko-KR" sz="1400" b="0" i="0" u="none" strike="noStrike" cap="none" dirty="0" smtClean="0">
+                <a:solidFill>
+                  <a:srgbClr val="FF0000"/>
+                </a:solidFill>
+                <a:latin typeface="Arial"/>
+                <a:ea typeface="Arial"/>
+                <a:cs typeface="Arial"/>
+                <a:sym typeface="Arial"/>
+              </a:rPr>
+              <a:t>2</a:t>
+            </a:r>
+            <a:r>
+              <a:rPr lang="ko-KR" sz="1400" b="0" i="0" u="none" strike="noStrike" cap="none" dirty="0" smtClean="0">
+                <a:solidFill>
+                  <a:srgbClr val="FF0000"/>
+                </a:solidFill>
+                <a:latin typeface="Arial"/>
+                <a:ea typeface="Arial"/>
+                <a:cs typeface="Arial"/>
+                <a:sym typeface="Arial"/>
+              </a:rPr>
+              <a:t>_jsp.class </a:t>
+            </a:r>
+            <a:r>
+              <a:rPr lang="ko-KR" sz="1400" b="0" i="0" u="none" strike="noStrike" cap="none" dirty="0">
+                <a:solidFill>
+                  <a:srgbClr val="FF0000"/>
+                </a:solidFill>
+                <a:latin typeface="Arial"/>
+                <a:ea typeface="Arial"/>
+                <a:cs typeface="Arial"/>
+                <a:sym typeface="Arial"/>
+              </a:rPr>
+              <a:t>생성</a:t>
             </a:r>
             <a:endParaRPr sz="1400" b="0" i="0" u="none" strike="noStrike" cap="none" dirty="0">
               <a:solidFill>
@@ -20352,16 +19588,7 @@
                 <a:cs typeface="Roboto"/>
                 <a:sym typeface="Roboto"/>
               </a:rPr>
-              <a:t>호</a:t>
-            </a:r>
-            <a:r>
-              <a:rPr lang="ko-KR" altLang="en-US" dirty="0" smtClean="0">
-                <a:latin typeface="Roboto"/>
-                <a:ea typeface="Roboto"/>
-                <a:cs typeface="Roboto"/>
-                <a:sym typeface="Roboto"/>
-              </a:rPr>
-              <a:t>출</a:t>
+              <a:t>호출</a:t>
             </a:r>
             <a:endParaRPr sz="1400" b="0" i="0" u="none" strike="noStrike" cap="none" dirty="0">
               <a:solidFill>
@@ -20755,19 +19982,11 @@
             </a:r>
             <a:r>
               <a:rPr lang="ko-KR" altLang="en-US" b="1" dirty="0" smtClean="0"/>
-              <a:t> </a:t>
-            </a:r>
-            <a:r>
-              <a:rPr lang="ko-KR" altLang="en-US" b="1" dirty="0" smtClean="0"/>
-              <a:t>다른 파일을 요청</a:t>
+              <a:t> 다른 파일을 요청</a:t>
             </a:r>
             <a:r>
               <a:rPr lang="en-US" altLang="ko-KR" b="1" dirty="0" smtClean="0"/>
-              <a:t> </a:t>
-            </a:r>
-            <a:r>
-              <a:rPr lang="en-US" altLang="ko-KR" b="1" dirty="0" smtClean="0"/>
-              <a:t> </a:t>
+              <a:t>  </a:t>
             </a:r>
             <a:r>
               <a:rPr lang="ko-KR" altLang="en-US" b="1" dirty="0" smtClean="0"/>
